--- a/Azure a Polyglot Cloud.pptx
+++ b/Azure a Polyglot Cloud.pptx
@@ -9,6 +9,8 @@
     <p:sldId id="258" r:id="rId3"/>
     <p:sldId id="259" r:id="rId4"/>
     <p:sldId id="257" r:id="rId5"/>
+    <p:sldId id="260" r:id="rId6"/>
+    <p:sldId id="261" r:id="rId7"/>
   </p:sldIdLst>
   <p:sldSz cx="12192000" cy="6858000"/>
   <p:notesSz cx="6858000" cy="9144000"/>
@@ -107,6 +109,11 @@
       </a:defRPr>
     </a:lvl9pPr>
   </p:defaultTextStyle>
+  <p:extLst>
+    <p:ext uri="{EFAFB233-063F-42B5-8137-9DF3F51BA10A}">
+      <p15:sldGuideLst xmlns:p15="http://schemas.microsoft.com/office/powerpoint/2012/main"/>
+    </p:ext>
+  </p:extLst>
 </p:presentation>
 </file>
 
@@ -257,7 +264,7 @@
           <a:p>
             <a:fld id="{70C26F5A-8073-4058-9018-669B04D90425}" type="datetimeFigureOut">
               <a:rPr lang="en-US" smtClean="0"/>
-              <a:t>24-Apr-19</a:t>
+              <a:t>26-Apr-19</a:t>
             </a:fld>
             <a:endParaRPr lang="en-US"/>
           </a:p>
@@ -455,7 +462,7 @@
           <a:p>
             <a:fld id="{70C26F5A-8073-4058-9018-669B04D90425}" type="datetimeFigureOut">
               <a:rPr lang="en-US" smtClean="0"/>
-              <a:t>24-Apr-19</a:t>
+              <a:t>26-Apr-19</a:t>
             </a:fld>
             <a:endParaRPr lang="en-US"/>
           </a:p>
@@ -663,7 +670,7 @@
           <a:p>
             <a:fld id="{70C26F5A-8073-4058-9018-669B04D90425}" type="datetimeFigureOut">
               <a:rPr lang="en-US" smtClean="0"/>
-              <a:t>24-Apr-19</a:t>
+              <a:t>26-Apr-19</a:t>
             </a:fld>
             <a:endParaRPr lang="en-US"/>
           </a:p>
@@ -861,7 +868,7 @@
           <a:p>
             <a:fld id="{70C26F5A-8073-4058-9018-669B04D90425}" type="datetimeFigureOut">
               <a:rPr lang="en-US" smtClean="0"/>
-              <a:t>24-Apr-19</a:t>
+              <a:t>26-Apr-19</a:t>
             </a:fld>
             <a:endParaRPr lang="en-US"/>
           </a:p>
@@ -1136,7 +1143,7 @@
           <a:p>
             <a:fld id="{70C26F5A-8073-4058-9018-669B04D90425}" type="datetimeFigureOut">
               <a:rPr lang="en-US" smtClean="0"/>
-              <a:t>24-Apr-19</a:t>
+              <a:t>26-Apr-19</a:t>
             </a:fld>
             <a:endParaRPr lang="en-US"/>
           </a:p>
@@ -1401,7 +1408,7 @@
           <a:p>
             <a:fld id="{70C26F5A-8073-4058-9018-669B04D90425}" type="datetimeFigureOut">
               <a:rPr lang="en-US" smtClean="0"/>
-              <a:t>24-Apr-19</a:t>
+              <a:t>26-Apr-19</a:t>
             </a:fld>
             <a:endParaRPr lang="en-US"/>
           </a:p>
@@ -1813,7 +1820,7 @@
           <a:p>
             <a:fld id="{70C26F5A-8073-4058-9018-669B04D90425}" type="datetimeFigureOut">
               <a:rPr lang="en-US" smtClean="0"/>
-              <a:t>24-Apr-19</a:t>
+              <a:t>26-Apr-19</a:t>
             </a:fld>
             <a:endParaRPr lang="en-US"/>
           </a:p>
@@ -1954,7 +1961,7 @@
           <a:p>
             <a:fld id="{70C26F5A-8073-4058-9018-669B04D90425}" type="datetimeFigureOut">
               <a:rPr lang="en-US" smtClean="0"/>
-              <a:t>24-Apr-19</a:t>
+              <a:t>26-Apr-19</a:t>
             </a:fld>
             <a:endParaRPr lang="en-US"/>
           </a:p>
@@ -2067,7 +2074,7 @@
           <a:p>
             <a:fld id="{70C26F5A-8073-4058-9018-669B04D90425}" type="datetimeFigureOut">
               <a:rPr lang="en-US" smtClean="0"/>
-              <a:t>24-Apr-19</a:t>
+              <a:t>26-Apr-19</a:t>
             </a:fld>
             <a:endParaRPr lang="en-US"/>
           </a:p>
@@ -2378,7 +2385,7 @@
           <a:p>
             <a:fld id="{70C26F5A-8073-4058-9018-669B04D90425}" type="datetimeFigureOut">
               <a:rPr lang="en-US" smtClean="0"/>
-              <a:t>24-Apr-19</a:t>
+              <a:t>26-Apr-19</a:t>
             </a:fld>
             <a:endParaRPr lang="en-US"/>
           </a:p>
@@ -2666,7 +2673,7 @@
           <a:p>
             <a:fld id="{70C26F5A-8073-4058-9018-669B04D90425}" type="datetimeFigureOut">
               <a:rPr lang="en-US" smtClean="0"/>
-              <a:t>24-Apr-19</a:t>
+              <a:t>26-Apr-19</a:t>
             </a:fld>
             <a:endParaRPr lang="en-US"/>
           </a:p>
@@ -2907,7 +2914,7 @@
           <a:p>
             <a:fld id="{70C26F5A-8073-4058-9018-669B04D90425}" type="datetimeFigureOut">
               <a:rPr lang="en-US" smtClean="0"/>
-              <a:t>24-Apr-19</a:t>
+              <a:t>26-Apr-19</a:t>
             </a:fld>
             <a:endParaRPr lang="en-US"/>
           </a:p>
@@ -4702,6 +4709,30 @@
           <a:bodyPr/>
           <a:lstStyle/>
           <a:p>
+            <a:r>
+              <a:rPr lang="en-US" dirty="0">
+                <a:hlinkClick r:id="rId2"/>
+              </a:rPr>
+              <a:t>http://github.com/wrijugh</a:t>
+            </a:r>
+            <a:r>
+              <a:rPr lang="en-US" dirty="0"/>
+              <a:t> </a:t>
+            </a:r>
+          </a:p>
+          <a:p>
+            <a:r>
+              <a:rPr lang="en-US" dirty="0">
+                <a:hlinkClick r:id="rId3"/>
+              </a:rPr>
+              <a:t>http://dev.azure.com/</a:t>
+            </a:r>
+            <a:r>
+              <a:rPr lang="en-US" dirty="0"/>
+              <a:t> </a:t>
+            </a:r>
+          </a:p>
+          <a:p>
             <a:endParaRPr lang="en-US" dirty="0"/>
           </a:p>
         </p:txBody>
@@ -4710,6 +4741,181 @@
     <p:extLst>
       <p:ext uri="{BB962C8B-B14F-4D97-AF65-F5344CB8AC3E}">
         <p14:creationId xmlns:p14="http://schemas.microsoft.com/office/powerpoint/2010/main" val="2850233507"/>
+      </p:ext>
+    </p:extLst>
+  </p:cSld>
+  <p:clrMapOvr>
+    <a:masterClrMapping/>
+  </p:clrMapOvr>
+</p:sld>
+</file>
+
+<file path=ppt/slides/slide5.xml><?xml version="1.0" encoding="utf-8"?>
+<p:sld xmlns:a="http://schemas.openxmlformats.org/drawingml/2006/main" xmlns:r="http://schemas.openxmlformats.org/officeDocument/2006/relationships" xmlns:p="http://schemas.openxmlformats.org/presentationml/2006/main">
+  <p:cSld>
+    <p:spTree>
+      <p:nvGrpSpPr>
+        <p:cNvPr id="1" name=""/>
+        <p:cNvGrpSpPr/>
+        <p:nvPr/>
+      </p:nvGrpSpPr>
+      <p:grpSpPr>
+        <a:xfrm>
+          <a:off x="0" y="0"/>
+          <a:ext cx="0" cy="0"/>
+          <a:chOff x="0" y="0"/>
+          <a:chExt cx="0" cy="0"/>
+        </a:xfrm>
+      </p:grpSpPr>
+      <p:sp>
+        <p:nvSpPr>
+          <p:cNvPr id="2" name="Title 1">
+            <a:extLst>
+              <a:ext uri="{FF2B5EF4-FFF2-40B4-BE49-F238E27FC236}">
+                <a16:creationId xmlns:a16="http://schemas.microsoft.com/office/drawing/2014/main" id="{A013CC6C-9D03-47A6-9153-4B7718CC0F9C}"/>
+              </a:ext>
+            </a:extLst>
+          </p:cNvPr>
+          <p:cNvSpPr>
+            <a:spLocks noGrp="1"/>
+          </p:cNvSpPr>
+          <p:nvPr>
+            <p:ph type="title"/>
+          </p:nvPr>
+        </p:nvSpPr>
+        <p:spPr/>
+        <p:txBody>
+          <a:bodyPr/>
+          <a:lstStyle/>
+          <a:p>
+            <a:r>
+              <a:rPr lang="en-US" dirty="0"/>
+              <a:t>Future</a:t>
+            </a:r>
+          </a:p>
+        </p:txBody>
+      </p:sp>
+      <p:sp>
+        <p:nvSpPr>
+          <p:cNvPr id="3" name="Content Placeholder 2">
+            <a:extLst>
+              <a:ext uri="{FF2B5EF4-FFF2-40B4-BE49-F238E27FC236}">
+                <a16:creationId xmlns:a16="http://schemas.microsoft.com/office/drawing/2014/main" id="{B5EBA978-2C7E-4739-9E9D-7CCB50FB8EB3}"/>
+              </a:ext>
+            </a:extLst>
+          </p:cNvPr>
+          <p:cNvSpPr>
+            <a:spLocks noGrp="1"/>
+          </p:cNvSpPr>
+          <p:nvPr>
+            <p:ph idx="1"/>
+          </p:nvPr>
+        </p:nvSpPr>
+        <p:spPr/>
+        <p:txBody>
+          <a:bodyPr/>
+          <a:lstStyle/>
+          <a:p>
+            <a:endParaRPr lang="en-US"/>
+          </a:p>
+        </p:txBody>
+      </p:sp>
+    </p:spTree>
+    <p:extLst>
+      <p:ext uri="{BB962C8B-B14F-4D97-AF65-F5344CB8AC3E}">
+        <p14:creationId xmlns:p14="http://schemas.microsoft.com/office/powerpoint/2010/main" val="3955962743"/>
+      </p:ext>
+    </p:extLst>
+  </p:cSld>
+  <p:clrMapOvr>
+    <a:masterClrMapping/>
+  </p:clrMapOvr>
+</p:sld>
+</file>
+
+<file path=ppt/slides/slide6.xml><?xml version="1.0" encoding="utf-8"?>
+<p:sld xmlns:a="http://schemas.openxmlformats.org/drawingml/2006/main" xmlns:r="http://schemas.openxmlformats.org/officeDocument/2006/relationships" xmlns:p="http://schemas.openxmlformats.org/presentationml/2006/main">
+  <p:cSld>
+    <p:spTree>
+      <p:nvGrpSpPr>
+        <p:cNvPr id="1" name=""/>
+        <p:cNvGrpSpPr/>
+        <p:nvPr/>
+      </p:nvGrpSpPr>
+      <p:grpSpPr>
+        <a:xfrm>
+          <a:off x="0" y="0"/>
+          <a:ext cx="0" cy="0"/>
+          <a:chOff x="0" y="0"/>
+          <a:chExt cx="0" cy="0"/>
+        </a:xfrm>
+      </p:grpSpPr>
+      <p:sp>
+        <p:nvSpPr>
+          <p:cNvPr id="2" name="Title 1">
+            <a:extLst>
+              <a:ext uri="{FF2B5EF4-FFF2-40B4-BE49-F238E27FC236}">
+                <a16:creationId xmlns:a16="http://schemas.microsoft.com/office/drawing/2014/main" id="{5B21ADBE-51AB-4C23-A20D-7412F7D886D3}"/>
+              </a:ext>
+            </a:extLst>
+          </p:cNvPr>
+          <p:cNvSpPr>
+            <a:spLocks noGrp="1"/>
+          </p:cNvSpPr>
+          <p:nvPr>
+            <p:ph type="title"/>
+          </p:nvPr>
+        </p:nvSpPr>
+        <p:spPr/>
+        <p:txBody>
+          <a:bodyPr/>
+          <a:lstStyle/>
+          <a:p>
+            <a:r>
+              <a:rPr lang="en-US" dirty="0"/>
+              <a:t>Quantum Computing</a:t>
+            </a:r>
+          </a:p>
+        </p:txBody>
+      </p:sp>
+      <p:sp>
+        <p:nvSpPr>
+          <p:cNvPr id="3" name="Content Placeholder 2">
+            <a:extLst>
+              <a:ext uri="{FF2B5EF4-FFF2-40B4-BE49-F238E27FC236}">
+                <a16:creationId xmlns:a16="http://schemas.microsoft.com/office/drawing/2014/main" id="{959DE7DD-A807-4717-97F6-30176D921A7F}"/>
+              </a:ext>
+            </a:extLst>
+          </p:cNvPr>
+          <p:cNvSpPr>
+            <a:spLocks noGrp="1"/>
+          </p:cNvSpPr>
+          <p:nvPr>
+            <p:ph idx="1"/>
+          </p:nvPr>
+        </p:nvSpPr>
+        <p:spPr/>
+        <p:txBody>
+          <a:bodyPr/>
+          <a:lstStyle/>
+          <a:p>
+            <a:r>
+              <a:rPr lang="en-US" dirty="0">
+                <a:hlinkClick r:id="rId2"/>
+              </a:rPr>
+              <a:t>https://www.microsoft.com/en-in/quantum/</a:t>
+            </a:r>
+            <a:r>
+              <a:rPr lang="en-US" dirty="0"/>
+              <a:t> </a:t>
+            </a:r>
+          </a:p>
+        </p:txBody>
+      </p:sp>
+    </p:spTree>
+    <p:extLst>
+      <p:ext uri="{BB962C8B-B14F-4D97-AF65-F5344CB8AC3E}">
+        <p14:creationId xmlns:p14="http://schemas.microsoft.com/office/powerpoint/2010/main" val="4262208582"/>
       </p:ext>
     </p:extLst>
   </p:cSld>

--- a/Azure a Polyglot Cloud.pptx
+++ b/Azure a Polyglot Cloud.pptx
@@ -5,12 +5,12 @@
     <p:sldMasterId id="2147483648" r:id="rId1"/>
   </p:sldMasterIdLst>
   <p:sldIdLst>
-    <p:sldId id="256" r:id="rId2"/>
-    <p:sldId id="258" r:id="rId3"/>
-    <p:sldId id="259" r:id="rId4"/>
-    <p:sldId id="257" r:id="rId5"/>
-    <p:sldId id="260" r:id="rId6"/>
-    <p:sldId id="261" r:id="rId7"/>
+    <p:sldId id="261" r:id="rId2"/>
+    <p:sldId id="256" r:id="rId3"/>
+    <p:sldId id="258" r:id="rId4"/>
+    <p:sldId id="259" r:id="rId5"/>
+    <p:sldId id="257" r:id="rId6"/>
+    <p:sldId id="260" r:id="rId7"/>
   </p:sldIdLst>
   <p:sldSz cx="12192000" cy="6858000"/>
   <p:notesSz cx="6858000" cy="9144000"/>
@@ -3317,6 +3317,96 @@
 <file path=ppt/slides/slide1.xml><?xml version="1.0" encoding="utf-8"?>
 <p:sld xmlns:a="http://schemas.openxmlformats.org/drawingml/2006/main" xmlns:r="http://schemas.openxmlformats.org/officeDocument/2006/relationships" xmlns:p="http://schemas.openxmlformats.org/presentationml/2006/main">
   <p:cSld>
+    <p:spTree>
+      <p:nvGrpSpPr>
+        <p:cNvPr id="1" name=""/>
+        <p:cNvGrpSpPr/>
+        <p:nvPr/>
+      </p:nvGrpSpPr>
+      <p:grpSpPr>
+        <a:xfrm>
+          <a:off x="0" y="0"/>
+          <a:ext cx="0" cy="0"/>
+          <a:chOff x="0" y="0"/>
+          <a:chExt cx="0" cy="0"/>
+        </a:xfrm>
+      </p:grpSpPr>
+      <p:pic>
+        <p:nvPicPr>
+          <p:cNvPr id="5" name="Picture 4">
+            <a:extLst>
+              <a:ext uri="{FF2B5EF4-FFF2-40B4-BE49-F238E27FC236}">
+                <a16:creationId xmlns:a16="http://schemas.microsoft.com/office/drawing/2014/main" id="{F1DC4A12-11ED-4A26-939E-086041736594}"/>
+              </a:ext>
+            </a:extLst>
+          </p:cNvPr>
+          <p:cNvPicPr>
+            <a:picLocks noChangeAspect="1"/>
+          </p:cNvPicPr>
+          <p:nvPr/>
+        </p:nvPicPr>
+        <p:blipFill>
+          <a:blip r:embed="rId2"/>
+          <a:stretch>
+            <a:fillRect/>
+          </a:stretch>
+        </p:blipFill>
+        <p:spPr>
+          <a:xfrm>
+            <a:off x="371714" y="369809"/>
+            <a:ext cx="7967946" cy="2849379"/>
+          </a:xfrm>
+          <a:prstGeom prst="rect">
+            <a:avLst/>
+          </a:prstGeom>
+        </p:spPr>
+      </p:pic>
+      <p:pic>
+        <p:nvPicPr>
+          <p:cNvPr id="6" name="Picture 5">
+            <a:extLst>
+              <a:ext uri="{FF2B5EF4-FFF2-40B4-BE49-F238E27FC236}">
+                <a16:creationId xmlns:a16="http://schemas.microsoft.com/office/drawing/2014/main" id="{43F5F5BA-9CA4-4A47-86B5-7B86DE9C810C}"/>
+              </a:ext>
+            </a:extLst>
+          </p:cNvPr>
+          <p:cNvPicPr>
+            <a:picLocks noChangeAspect="1"/>
+          </p:cNvPicPr>
+          <p:nvPr/>
+        </p:nvPicPr>
+        <p:blipFill>
+          <a:blip r:embed="rId3"/>
+          <a:stretch>
+            <a:fillRect/>
+          </a:stretch>
+        </p:blipFill>
+        <p:spPr>
+          <a:xfrm>
+            <a:off x="3491563" y="3804780"/>
+            <a:ext cx="8191664" cy="2496387"/>
+          </a:xfrm>
+          <a:prstGeom prst="rect">
+            <a:avLst/>
+          </a:prstGeom>
+        </p:spPr>
+      </p:pic>
+    </p:spTree>
+    <p:extLst>
+      <p:ext uri="{BB962C8B-B14F-4D97-AF65-F5344CB8AC3E}">
+        <p14:creationId xmlns:p14="http://schemas.microsoft.com/office/powerpoint/2010/main" val="4096958351"/>
+      </p:ext>
+    </p:extLst>
+  </p:cSld>
+  <p:clrMapOvr>
+    <a:masterClrMapping/>
+  </p:clrMapOvr>
+</p:sld>
+</file>
+
+<file path=ppt/slides/slide2.xml><?xml version="1.0" encoding="utf-8"?>
+<p:sld xmlns:a="http://schemas.openxmlformats.org/drawingml/2006/main" xmlns:r="http://schemas.openxmlformats.org/officeDocument/2006/relationships" xmlns:p="http://schemas.openxmlformats.org/presentationml/2006/main">
+  <p:cSld>
     <p:bg>
       <p:bgPr>
         <a:solidFill>
@@ -4255,7 +4345,7 @@
 </p:sld>
 </file>
 
-<file path=ppt/slides/slide2.xml><?xml version="1.0" encoding="utf-8"?>
+<file path=ppt/slides/slide3.xml><?xml version="1.0" encoding="utf-8"?>
 <p:sld xmlns:a="http://schemas.openxmlformats.org/drawingml/2006/main" xmlns:r="http://schemas.openxmlformats.org/officeDocument/2006/relationships" xmlns:p="http://schemas.openxmlformats.org/presentationml/2006/main">
   <p:cSld>
     <p:bg>
@@ -4506,143 +4596,6 @@
 </p:sld>
 </file>
 
-<file path=ppt/slides/slide3.xml><?xml version="1.0" encoding="utf-8"?>
-<p:sld xmlns:a="http://schemas.openxmlformats.org/drawingml/2006/main" xmlns:r="http://schemas.openxmlformats.org/officeDocument/2006/relationships" xmlns:p="http://schemas.openxmlformats.org/presentationml/2006/main">
-  <p:cSld>
-    <p:spTree>
-      <p:nvGrpSpPr>
-        <p:cNvPr id="1" name=""/>
-        <p:cNvGrpSpPr/>
-        <p:nvPr/>
-      </p:nvGrpSpPr>
-      <p:grpSpPr>
-        <a:xfrm>
-          <a:off x="0" y="0"/>
-          <a:ext cx="0" cy="0"/>
-          <a:chOff x="0" y="0"/>
-          <a:chExt cx="0" cy="0"/>
-        </a:xfrm>
-      </p:grpSpPr>
-      <p:sp>
-        <p:nvSpPr>
-          <p:cNvPr id="4" name="Title 3">
-            <a:extLst>
-              <a:ext uri="{FF2B5EF4-FFF2-40B4-BE49-F238E27FC236}">
-                <a16:creationId xmlns:a16="http://schemas.microsoft.com/office/drawing/2014/main" id="{186FE805-1FB0-405E-AC73-5F4792E1C90E}"/>
-              </a:ext>
-            </a:extLst>
-          </p:cNvPr>
-          <p:cNvSpPr>
-            <a:spLocks noGrp="1"/>
-          </p:cNvSpPr>
-          <p:nvPr>
-            <p:ph type="title"/>
-          </p:nvPr>
-        </p:nvSpPr>
-        <p:spPr/>
-        <p:txBody>
-          <a:bodyPr/>
-          <a:lstStyle/>
-          <a:p>
-            <a:r>
-              <a:rPr lang="en-US" dirty="0"/>
-              <a:t>Tips to developers</a:t>
-            </a:r>
-          </a:p>
-        </p:txBody>
-      </p:sp>
-      <p:sp>
-        <p:nvSpPr>
-          <p:cNvPr id="5" name="Content Placeholder 4">
-            <a:extLst>
-              <a:ext uri="{FF2B5EF4-FFF2-40B4-BE49-F238E27FC236}">
-                <a16:creationId xmlns:a16="http://schemas.microsoft.com/office/drawing/2014/main" id="{AE16007A-9C56-468C-BA03-786843DBD5BA}"/>
-              </a:ext>
-            </a:extLst>
-          </p:cNvPr>
-          <p:cNvSpPr>
-            <a:spLocks noGrp="1"/>
-          </p:cNvSpPr>
-          <p:nvPr>
-            <p:ph idx="1"/>
-          </p:nvPr>
-        </p:nvSpPr>
-        <p:spPr/>
-        <p:txBody>
-          <a:bodyPr/>
-          <a:lstStyle/>
-          <a:p>
-            <a:r>
-              <a:rPr lang="en-US" dirty="0"/>
-              <a:t>JavaScript, Python, Go – your language </a:t>
-            </a:r>
-          </a:p>
-          <a:p>
-            <a:r>
-              <a:rPr lang="en-US" dirty="0"/>
-              <a:t>Don’t complain about work-life balance</a:t>
-            </a:r>
-          </a:p>
-          <a:p>
-            <a:r>
-              <a:rPr lang="en-US" dirty="0"/>
-              <a:t>Watch </a:t>
-            </a:r>
-            <a:r>
-              <a:rPr lang="en-US" dirty="0" err="1"/>
-              <a:t>Thoughworks</a:t>
-            </a:r>
-            <a:r>
-              <a:rPr lang="en-US" dirty="0"/>
-              <a:t> Technology Rader </a:t>
-            </a:r>
-          </a:p>
-          <a:p>
-            <a:r>
-              <a:rPr lang="en-US" dirty="0"/>
-              <a:t>If you are not a passionate developer, you are not a developer</a:t>
-            </a:r>
-          </a:p>
-          <a:p>
-            <a:r>
-              <a:rPr lang="en-US" dirty="0"/>
-              <a:t>Work in group. If alone make virtual and have weekly or monthly meetup. </a:t>
-            </a:r>
-          </a:p>
-          <a:p>
-            <a:r>
-              <a:rPr lang="en-US" dirty="0"/>
-              <a:t>Greatest learning resource is your peers. </a:t>
-            </a:r>
-          </a:p>
-          <a:p>
-            <a:r>
-              <a:rPr lang="en-US"/>
-              <a:t>Contribute to </a:t>
-            </a:r>
-            <a:r>
-              <a:rPr lang="en-US" dirty="0"/>
-              <a:t>open source projects.</a:t>
-            </a:r>
-          </a:p>
-          <a:p>
-            <a:endParaRPr lang="en-US" dirty="0"/>
-          </a:p>
-        </p:txBody>
-      </p:sp>
-    </p:spTree>
-    <p:extLst>
-      <p:ext uri="{BB962C8B-B14F-4D97-AF65-F5344CB8AC3E}">
-        <p14:creationId xmlns:p14="http://schemas.microsoft.com/office/powerpoint/2010/main" val="1202262741"/>
-      </p:ext>
-    </p:extLst>
-  </p:cSld>
-  <p:clrMapOvr>
-    <a:masterClrMapping/>
-  </p:clrMapOvr>
-</p:sld>
-</file>
-
 <file path=ppt/slides/slide4.xml><?xml version="1.0" encoding="utf-8"?>
 <p:sld xmlns:a="http://schemas.openxmlformats.org/drawingml/2006/main" xmlns:r="http://schemas.openxmlformats.org/officeDocument/2006/relationships" xmlns:p="http://schemas.openxmlformats.org/presentationml/2006/main">
   <p:cSld>
@@ -4662,10 +4615,10 @@
       </p:grpSpPr>
       <p:sp>
         <p:nvSpPr>
-          <p:cNvPr id="2" name="Title 1">
-            <a:extLst>
-              <a:ext uri="{FF2B5EF4-FFF2-40B4-BE49-F238E27FC236}">
-                <a16:creationId xmlns:a16="http://schemas.microsoft.com/office/drawing/2014/main" id="{698967C6-F4A5-4838-BC24-D1ED9D02D325}"/>
+          <p:cNvPr id="4" name="Title 3">
+            <a:extLst>
+              <a:ext uri="{FF2B5EF4-FFF2-40B4-BE49-F238E27FC236}">
+                <a16:creationId xmlns:a16="http://schemas.microsoft.com/office/drawing/2014/main" id="{186FE805-1FB0-405E-AC73-5F4792E1C90E}"/>
               </a:ext>
             </a:extLst>
           </p:cNvPr>
@@ -4683,17 +4636,17 @@
           <a:p>
             <a:r>
               <a:rPr lang="en-US" dirty="0"/>
-              <a:t>Resources</a:t>
-            </a:r>
-          </a:p>
-        </p:txBody>
-      </p:sp>
-      <p:sp>
-        <p:nvSpPr>
-          <p:cNvPr id="3" name="Content Placeholder 2">
-            <a:extLst>
-              <a:ext uri="{FF2B5EF4-FFF2-40B4-BE49-F238E27FC236}">
-                <a16:creationId xmlns:a16="http://schemas.microsoft.com/office/drawing/2014/main" id="{B070495D-B002-4706-B8F0-3123BA431172}"/>
+              <a:t>Tips to developers</a:t>
+            </a:r>
+          </a:p>
+        </p:txBody>
+      </p:sp>
+      <p:sp>
+        <p:nvSpPr>
+          <p:cNvPr id="5" name="Content Placeholder 4">
+            <a:extLst>
+              <a:ext uri="{FF2B5EF4-FFF2-40B4-BE49-F238E27FC236}">
+                <a16:creationId xmlns:a16="http://schemas.microsoft.com/office/drawing/2014/main" id="{AE16007A-9C56-468C-BA03-786843DBD5BA}"/>
               </a:ext>
             </a:extLst>
           </p:cNvPr>
@@ -4710,26 +4663,56 @@
           <a:lstStyle/>
           <a:p>
             <a:r>
-              <a:rPr lang="en-US" dirty="0">
-                <a:hlinkClick r:id="rId2"/>
-              </a:rPr>
-              <a:t>http://github.com/wrijugh</a:t>
-            </a:r>
-            <a:r>
               <a:rPr lang="en-US" dirty="0"/>
-              <a:t> </a:t>
-            </a:r>
-          </a:p>
-          <a:p>
-            <a:r>
-              <a:rPr lang="en-US" dirty="0">
-                <a:hlinkClick r:id="rId3"/>
-              </a:rPr>
-              <a:t>http://dev.azure.com/</a:t>
-            </a:r>
+              <a:t>JavaScript, Python, Go – your language </a:t>
+            </a:r>
+          </a:p>
+          <a:p>
             <a:r>
               <a:rPr lang="en-US" dirty="0"/>
-              <a:t> </a:t>
+              <a:t>Don’t complain about work-life balance</a:t>
+            </a:r>
+          </a:p>
+          <a:p>
+            <a:r>
+              <a:rPr lang="en-US" dirty="0"/>
+              <a:t>Watch </a:t>
+            </a:r>
+            <a:r>
+              <a:rPr lang="en-US" dirty="0" err="1"/>
+              <a:t>Thoughworks</a:t>
+            </a:r>
+            <a:r>
+              <a:rPr lang="en-US" dirty="0"/>
+              <a:t> Technology Rader </a:t>
+            </a:r>
+          </a:p>
+          <a:p>
+            <a:r>
+              <a:rPr lang="en-US" dirty="0"/>
+              <a:t>If you are not a passionate developer, you are not a developer</a:t>
+            </a:r>
+          </a:p>
+          <a:p>
+            <a:r>
+              <a:rPr lang="en-US" dirty="0"/>
+              <a:t>Work in group. If alone make virtual and have weekly or monthly meetup. </a:t>
+            </a:r>
+          </a:p>
+          <a:p>
+            <a:r>
+              <a:rPr lang="en-US" dirty="0"/>
+              <a:t>Greatest learning resource is your peers. </a:t>
+            </a:r>
+          </a:p>
+          <a:p>
+            <a:r>
+              <a:rPr lang="en-US"/>
+              <a:t>Contribute to </a:t>
+            </a:r>
+            <a:r>
+              <a:rPr lang="en-US" dirty="0"/>
+              <a:t>open source projects.</a:t>
             </a:r>
           </a:p>
           <a:p>
@@ -4740,7 +4723,7 @@
     </p:spTree>
     <p:extLst>
       <p:ext uri="{BB962C8B-B14F-4D97-AF65-F5344CB8AC3E}">
-        <p14:creationId xmlns:p14="http://schemas.microsoft.com/office/powerpoint/2010/main" val="2850233507"/>
+        <p14:creationId xmlns:p14="http://schemas.microsoft.com/office/powerpoint/2010/main" val="1202262741"/>
       </p:ext>
     </p:extLst>
   </p:cSld>
@@ -4772,7 +4755,7 @@
           <p:cNvPr id="2" name="Title 1">
             <a:extLst>
               <a:ext uri="{FF2B5EF4-FFF2-40B4-BE49-F238E27FC236}">
-                <a16:creationId xmlns:a16="http://schemas.microsoft.com/office/drawing/2014/main" id="{A013CC6C-9D03-47A6-9153-4B7718CC0F9C}"/>
+                <a16:creationId xmlns:a16="http://schemas.microsoft.com/office/drawing/2014/main" id="{698967C6-F4A5-4838-BC24-D1ED9D02D325}"/>
               </a:ext>
             </a:extLst>
           </p:cNvPr>
@@ -4790,7 +4773,7 @@
           <a:p>
             <a:r>
               <a:rPr lang="en-US" dirty="0"/>
-              <a:t>Future</a:t>
+              <a:t>Resources</a:t>
             </a:r>
           </a:p>
         </p:txBody>
@@ -4800,7 +4783,7 @@
           <p:cNvPr id="3" name="Content Placeholder 2">
             <a:extLst>
               <a:ext uri="{FF2B5EF4-FFF2-40B4-BE49-F238E27FC236}">
-                <a16:creationId xmlns:a16="http://schemas.microsoft.com/office/drawing/2014/main" id="{B5EBA978-2C7E-4739-9E9D-7CCB50FB8EB3}"/>
+                <a16:creationId xmlns:a16="http://schemas.microsoft.com/office/drawing/2014/main" id="{B070495D-B002-4706-B8F0-3123BA431172}"/>
               </a:ext>
             </a:extLst>
           </p:cNvPr>
@@ -4816,14 +4799,38 @@
           <a:bodyPr/>
           <a:lstStyle/>
           <a:p>
-            <a:endParaRPr lang="en-US"/>
+            <a:r>
+              <a:rPr lang="en-US" dirty="0">
+                <a:hlinkClick r:id="rId2"/>
+              </a:rPr>
+              <a:t>http://github.com/wrijugh</a:t>
+            </a:r>
+            <a:r>
+              <a:rPr lang="en-US" dirty="0"/>
+              <a:t> </a:t>
+            </a:r>
+          </a:p>
+          <a:p>
+            <a:r>
+              <a:rPr lang="en-US" dirty="0">
+                <a:hlinkClick r:id="rId3"/>
+              </a:rPr>
+              <a:t>http://dev.azure.com/</a:t>
+            </a:r>
+            <a:r>
+              <a:rPr lang="en-US" dirty="0"/>
+              <a:t> </a:t>
+            </a:r>
+          </a:p>
+          <a:p>
+            <a:endParaRPr lang="en-US" dirty="0"/>
           </a:p>
         </p:txBody>
       </p:sp>
     </p:spTree>
     <p:extLst>
       <p:ext uri="{BB962C8B-B14F-4D97-AF65-F5344CB8AC3E}">
-        <p14:creationId xmlns:p14="http://schemas.microsoft.com/office/powerpoint/2010/main" val="3955962743"/>
+        <p14:creationId xmlns:p14="http://schemas.microsoft.com/office/powerpoint/2010/main" val="2850233507"/>
       </p:ext>
     </p:extLst>
   </p:cSld>
@@ -4836,6 +4843,14 @@
 <file path=ppt/slides/slide6.xml><?xml version="1.0" encoding="utf-8"?>
 <p:sld xmlns:a="http://schemas.openxmlformats.org/drawingml/2006/main" xmlns:r="http://schemas.openxmlformats.org/officeDocument/2006/relationships" xmlns:p="http://schemas.openxmlformats.org/presentationml/2006/main">
   <p:cSld>
+    <p:bg>
+      <p:bgPr>
+        <a:solidFill>
+          <a:schemeClr val="bg1"/>
+        </a:solidFill>
+        <a:effectLst/>
+      </p:bgPr>
+    </p:bg>
     <p:spTree>
       <p:nvGrpSpPr>
         <p:cNvPr id="1" name=""/>
@@ -4855,7 +4870,7 @@
           <p:cNvPr id="2" name="Title 1">
             <a:extLst>
               <a:ext uri="{FF2B5EF4-FFF2-40B4-BE49-F238E27FC236}">
-                <a16:creationId xmlns:a16="http://schemas.microsoft.com/office/drawing/2014/main" id="{5B21ADBE-51AB-4C23-A20D-7412F7D886D3}"/>
+                <a16:creationId xmlns:a16="http://schemas.microsoft.com/office/drawing/2014/main" id="{A013CC6C-9D03-47A6-9153-4B7718CC0F9C}"/>
               </a:ext>
             </a:extLst>
           </p:cNvPr>
@@ -4866,38 +4881,79 @@
             <p:ph type="title"/>
           </p:nvPr>
         </p:nvSpPr>
-        <p:spPr/>
-        <p:txBody>
-          <a:bodyPr/>
-          <a:lstStyle/>
-          <a:p>
-            <a:r>
-              <a:rPr lang="en-US" dirty="0"/>
+        <p:spPr>
+          <a:xfrm>
+            <a:off x="2370667" y="2187743"/>
+            <a:ext cx="5293449" cy="2482515"/>
+          </a:xfrm>
+        </p:spPr>
+        <p:txBody>
+          <a:bodyPr vert="horz" lIns="91440" tIns="45720" rIns="91440" bIns="45720" rtlCol="0" anchor="ctr">
+            <a:normAutofit/>
+          </a:bodyPr>
+          <a:lstStyle/>
+          <a:p>
+            <a:r>
+              <a:rPr lang="en-US" kern="1200" dirty="0">
+                <a:solidFill>
+                  <a:schemeClr val="tx1"/>
+                </a:solidFill>
+                <a:latin typeface="+mj-lt"/>
+                <a:ea typeface="+mj-ea"/>
+                <a:cs typeface="+mj-cs"/>
+              </a:rPr>
+              <a:t>Future</a:t>
+            </a:r>
+          </a:p>
+        </p:txBody>
+      </p:sp>
+      <p:sp>
+        <p:nvSpPr>
+          <p:cNvPr id="4" name="Text Placeholder 3">
+            <a:extLst>
+              <a:ext uri="{FF2B5EF4-FFF2-40B4-BE49-F238E27FC236}">
+                <a16:creationId xmlns:a16="http://schemas.microsoft.com/office/drawing/2014/main" id="{C8411DAC-2D26-441F-BA9B-4168627F0017}"/>
+              </a:ext>
+            </a:extLst>
+          </p:cNvPr>
+          <p:cNvSpPr>
+            <a:spLocks noGrp="1"/>
+          </p:cNvSpPr>
+          <p:nvPr>
+            <p:ph type="body" idx="1"/>
+          </p:nvPr>
+        </p:nvSpPr>
+        <p:spPr>
+          <a:xfrm>
+            <a:off x="2370667" y="4670258"/>
+            <a:ext cx="5293449" cy="1371405"/>
+          </a:xfrm>
+        </p:spPr>
+        <p:txBody>
+          <a:bodyPr vert="horz" lIns="91440" tIns="45720" rIns="91440" bIns="45720" rtlCol="0">
+            <a:normAutofit fontScale="92500"/>
+          </a:bodyPr>
+          <a:lstStyle/>
+          <a:p>
+            <a:r>
+              <a:rPr lang="en-US" sz="2400" kern="1200" dirty="0">
+                <a:solidFill>
+                  <a:schemeClr val="tx1"/>
+                </a:solidFill>
+                <a:latin typeface="+mn-lt"/>
+                <a:ea typeface="+mn-ea"/>
+                <a:cs typeface="+mn-cs"/>
+              </a:rPr>
               <a:t>Quantum Computing</a:t>
             </a:r>
           </a:p>
-        </p:txBody>
-      </p:sp>
-      <p:sp>
-        <p:nvSpPr>
-          <p:cNvPr id="3" name="Content Placeholder 2">
-            <a:extLst>
-              <a:ext uri="{FF2B5EF4-FFF2-40B4-BE49-F238E27FC236}">
-                <a16:creationId xmlns:a16="http://schemas.microsoft.com/office/drawing/2014/main" id="{959DE7DD-A807-4717-97F6-30176D921A7F}"/>
-              </a:ext>
-            </a:extLst>
-          </p:cNvPr>
-          <p:cNvSpPr>
-            <a:spLocks noGrp="1"/>
-          </p:cNvSpPr>
-          <p:nvPr>
-            <p:ph idx="1"/>
-          </p:nvPr>
-        </p:nvSpPr>
-        <p:spPr/>
-        <p:txBody>
-          <a:bodyPr/>
-          <a:lstStyle/>
+          <a:p>
+            <a:endParaRPr lang="en-US" dirty="0">
+              <a:solidFill>
+                <a:schemeClr val="tx1"/>
+              </a:solidFill>
+            </a:endParaRPr>
+          </a:p>
           <a:p>
             <a:r>
               <a:rPr lang="en-US" dirty="0">
@@ -4910,12 +4966,120 @@
               <a:t> </a:t>
             </a:r>
           </a:p>
-        </p:txBody>
-      </p:sp>
+          <a:p>
+            <a:endParaRPr lang="en-US" sz="2400" kern="1200" dirty="0">
+              <a:solidFill>
+                <a:schemeClr val="tx1"/>
+              </a:solidFill>
+              <a:latin typeface="+mn-lt"/>
+              <a:ea typeface="+mn-ea"/>
+              <a:cs typeface="+mn-cs"/>
+            </a:endParaRPr>
+          </a:p>
+          <a:p>
+            <a:endParaRPr lang="en-US" sz="2400" kern="1200" dirty="0">
+              <a:solidFill>
+                <a:schemeClr val="tx1"/>
+              </a:solidFill>
+              <a:latin typeface="+mn-lt"/>
+              <a:ea typeface="+mn-ea"/>
+              <a:cs typeface="+mn-cs"/>
+            </a:endParaRPr>
+          </a:p>
+        </p:txBody>
+      </p:sp>
+      <p:pic>
+        <p:nvPicPr>
+          <p:cNvPr id="8" name="Graphic 7" descr="Rocket">
+            <a:extLst>
+              <a:ext uri="{FF2B5EF4-FFF2-40B4-BE49-F238E27FC236}">
+                <a16:creationId xmlns:a16="http://schemas.microsoft.com/office/drawing/2014/main" id="{4C62FE4A-3345-4F69-BC32-458F390326E8}"/>
+              </a:ext>
+            </a:extLst>
+          </p:cNvPr>
+          <p:cNvPicPr>
+            <a:picLocks noChangeAspect="1"/>
+          </p:cNvPicPr>
+          <p:nvPr/>
+        </p:nvPicPr>
+        <p:blipFill>
+          <a:blip r:embed="rId3">
+            <a:extLst>
+              <a:ext uri="{28A0092B-C50C-407E-A947-70E740481C1C}">
+                <a14:useLocalDpi xmlns:a14="http://schemas.microsoft.com/office/drawing/2010/main" val="0"/>
+              </a:ext>
+              <a:ext uri="{96DAC541-7B7A-43D3-8B79-37D633B846F1}">
+                <asvg:svgBlip xmlns:asvg="http://schemas.microsoft.com/office/drawing/2016/SVG/main" r:embed="rId4"/>
+              </a:ext>
+            </a:extLst>
+          </a:blip>
+          <a:stretch>
+            <a:fillRect/>
+          </a:stretch>
+        </p:blipFill>
+        <p:spPr>
+          <a:xfrm>
+            <a:off x="838201" y="2743201"/>
+            <a:ext cx="1371600" cy="1371600"/>
+          </a:xfrm>
+          <a:prstGeom prst="rect">
+            <a:avLst/>
+          </a:prstGeom>
+        </p:spPr>
+      </p:pic>
+      <p:pic>
+        <p:nvPicPr>
+          <p:cNvPr id="10" name="Graphic 9">
+            <a:extLst>
+              <a:ext uri="{FF2B5EF4-FFF2-40B4-BE49-F238E27FC236}">
+                <a16:creationId xmlns:a16="http://schemas.microsoft.com/office/drawing/2014/main" id="{61D9453F-99D8-4039-9927-D2DEC1C77BBE}"/>
+              </a:ext>
+              <a:ext uri="{C183D7F6-B498-43B3-948B-1728B52AA6E4}">
+                <adec:decorative xmlns:adec="http://schemas.microsoft.com/office/drawing/2017/decorative" val="1"/>
+              </a:ext>
+            </a:extLst>
+          </p:cNvPr>
+          <p:cNvPicPr>
+            <a:picLocks noGrp="1" noRot="1" noChangeAspect="1" noMove="1" noResize="1" noEditPoints="1" noAdjustHandles="1" noChangeArrowheads="1" noChangeShapeType="1" noCrop="1"/>
+          </p:cNvPicPr>
+          <p:nvPr>
+            <p:extLst>
+              <p:ext uri="{386F3935-93C4-4BCD-93E2-E3B085C9AB24}">
+                <p16:designElem xmlns:p16="http://schemas.microsoft.com/office/powerpoint/2015/main" val="1"/>
+              </p:ext>
+            </p:extLst>
+          </p:nvPr>
+        </p:nvPicPr>
+        <p:blipFill>
+          <a:blip r:embed="rId3">
+            <a:alphaModFix amt="15000"/>
+            <a:extLst>
+              <a:ext uri="{28A0092B-C50C-407E-A947-70E740481C1C}">
+                <a14:useLocalDpi xmlns:a14="http://schemas.microsoft.com/office/drawing/2010/main" val="0"/>
+              </a:ext>
+              <a:ext uri="{96DAC541-7B7A-43D3-8B79-37D633B846F1}">
+                <asvg:svgBlip xmlns:asvg="http://schemas.microsoft.com/office/drawing/2016/SVG/main" r:embed="rId4"/>
+              </a:ext>
+            </a:extLst>
+          </a:blip>
+          <a:stretch>
+            <a:fillRect/>
+          </a:stretch>
+        </p:blipFill>
+        <p:spPr>
+          <a:xfrm>
+            <a:off x="6641431" y="816337"/>
+            <a:ext cx="5225327" cy="5225327"/>
+          </a:xfrm>
+          <a:prstGeom prst="rect">
+            <a:avLst/>
+          </a:prstGeom>
+        </p:spPr>
+      </p:pic>
     </p:spTree>
     <p:extLst>
       <p:ext uri="{BB962C8B-B14F-4D97-AF65-F5344CB8AC3E}">
-        <p14:creationId xmlns:p14="http://schemas.microsoft.com/office/powerpoint/2010/main" val="4262208582"/>
+        <p14:creationId xmlns:p14="http://schemas.microsoft.com/office/powerpoint/2010/main" val="3955962743"/>
       </p:ext>
     </p:extLst>
   </p:cSld>
